--- a/etc/001. git action/강의 내용설명github_actions.pptx
+++ b/etc/001. git action/강의 내용설명github_actions.pptx
@@ -10,7 +10,7 @@
   <p:sldIdLst>
     <p:sldId id="257" r:id="rId2"/>
     <p:sldId id="260" r:id="rId3"/>
-    <p:sldId id="282" r:id="rId4"/>
+    <p:sldId id="301" r:id="rId4"/>
     <p:sldId id="284" r:id="rId5"/>
     <p:sldId id="285" r:id="rId6"/>
     <p:sldId id="286" r:id="rId7"/>
@@ -227,7 +227,7 @@
           <a:p>
             <a:fld id="{762295EE-25FF-419D-9449-2D52353905B1}" type="datetimeFigureOut">
               <a:rPr lang="ko-KR" altLang="en-US" smtClean="0"/>
-              <a:t>2020-03-26</a:t>
+              <a:t>2020-03-27</a:t>
             </a:fld>
             <a:endParaRPr lang="ko-KR" altLang="en-US"/>
           </a:p>
@@ -980,7 +980,7 @@
     </p:spTree>
     <p:extLst>
       <p:ext uri="{BB962C8B-B14F-4D97-AF65-F5344CB8AC3E}">
-        <p14:creationId xmlns:p14="http://schemas.microsoft.com/office/powerpoint/2010/main" val="2596150183"/>
+        <p14:creationId xmlns:p14="http://schemas.microsoft.com/office/powerpoint/2010/main" val="2339603444"/>
       </p:ext>
     </p:extLst>
   </p:cSld>
@@ -2279,7 +2279,7 @@
           <a:p>
             <a:fld id="{06AE0B28-11AF-450D-9AFB-A01EA93FBCDE}" type="datetimeFigureOut">
               <a:rPr lang="ko-KR" altLang="en-US" smtClean="0"/>
-              <a:t>2020-03-26</a:t>
+              <a:t>2020-03-27</a:t>
             </a:fld>
             <a:endParaRPr lang="ko-KR" altLang="en-US"/>
           </a:p>
@@ -2449,7 +2449,7 @@
           <a:p>
             <a:fld id="{06AE0B28-11AF-450D-9AFB-A01EA93FBCDE}" type="datetimeFigureOut">
               <a:rPr lang="ko-KR" altLang="en-US" smtClean="0"/>
-              <a:t>2020-03-26</a:t>
+              <a:t>2020-03-27</a:t>
             </a:fld>
             <a:endParaRPr lang="ko-KR" altLang="en-US"/>
           </a:p>
@@ -2629,7 +2629,7 @@
           <a:p>
             <a:fld id="{06AE0B28-11AF-450D-9AFB-A01EA93FBCDE}" type="datetimeFigureOut">
               <a:rPr lang="ko-KR" altLang="en-US" smtClean="0"/>
-              <a:t>2020-03-26</a:t>
+              <a:t>2020-03-27</a:t>
             </a:fld>
             <a:endParaRPr lang="ko-KR" altLang="en-US"/>
           </a:p>
@@ -2799,7 +2799,7 @@
           <a:p>
             <a:fld id="{06AE0B28-11AF-450D-9AFB-A01EA93FBCDE}" type="datetimeFigureOut">
               <a:rPr lang="ko-KR" altLang="en-US" smtClean="0"/>
-              <a:t>2020-03-26</a:t>
+              <a:t>2020-03-27</a:t>
             </a:fld>
             <a:endParaRPr lang="ko-KR" altLang="en-US"/>
           </a:p>
@@ -3045,7 +3045,7 @@
           <a:p>
             <a:fld id="{06AE0B28-11AF-450D-9AFB-A01EA93FBCDE}" type="datetimeFigureOut">
               <a:rPr lang="ko-KR" altLang="en-US" smtClean="0"/>
-              <a:t>2020-03-26</a:t>
+              <a:t>2020-03-27</a:t>
             </a:fld>
             <a:endParaRPr lang="ko-KR" altLang="en-US"/>
           </a:p>
@@ -3277,7 +3277,7 @@
           <a:p>
             <a:fld id="{06AE0B28-11AF-450D-9AFB-A01EA93FBCDE}" type="datetimeFigureOut">
               <a:rPr lang="ko-KR" altLang="en-US" smtClean="0"/>
-              <a:t>2020-03-26</a:t>
+              <a:t>2020-03-27</a:t>
             </a:fld>
             <a:endParaRPr lang="ko-KR" altLang="en-US"/>
           </a:p>
@@ -3644,7 +3644,7 @@
           <a:p>
             <a:fld id="{06AE0B28-11AF-450D-9AFB-A01EA93FBCDE}" type="datetimeFigureOut">
               <a:rPr lang="ko-KR" altLang="en-US" smtClean="0"/>
-              <a:t>2020-03-26</a:t>
+              <a:t>2020-03-27</a:t>
             </a:fld>
             <a:endParaRPr lang="ko-KR" altLang="en-US"/>
           </a:p>
@@ -3762,7 +3762,7 @@
           <a:p>
             <a:fld id="{06AE0B28-11AF-450D-9AFB-A01EA93FBCDE}" type="datetimeFigureOut">
               <a:rPr lang="ko-KR" altLang="en-US" smtClean="0"/>
-              <a:t>2020-03-26</a:t>
+              <a:t>2020-03-27</a:t>
             </a:fld>
             <a:endParaRPr lang="ko-KR" altLang="en-US"/>
           </a:p>
@@ -3857,7 +3857,7 @@
           <a:p>
             <a:fld id="{06AE0B28-11AF-450D-9AFB-A01EA93FBCDE}" type="datetimeFigureOut">
               <a:rPr lang="ko-KR" altLang="en-US" smtClean="0"/>
-              <a:t>2020-03-26</a:t>
+              <a:t>2020-03-27</a:t>
             </a:fld>
             <a:endParaRPr lang="ko-KR" altLang="en-US"/>
           </a:p>
@@ -4134,7 +4134,7 @@
           <a:p>
             <a:fld id="{06AE0B28-11AF-450D-9AFB-A01EA93FBCDE}" type="datetimeFigureOut">
               <a:rPr lang="ko-KR" altLang="en-US" smtClean="0"/>
-              <a:t>2020-03-26</a:t>
+              <a:t>2020-03-27</a:t>
             </a:fld>
             <a:endParaRPr lang="ko-KR" altLang="en-US"/>
           </a:p>
@@ -4387,7 +4387,7 @@
           <a:p>
             <a:fld id="{06AE0B28-11AF-450D-9AFB-A01EA93FBCDE}" type="datetimeFigureOut">
               <a:rPr lang="ko-KR" altLang="en-US" smtClean="0"/>
-              <a:t>2020-03-26</a:t>
+              <a:t>2020-03-27</a:t>
             </a:fld>
             <a:endParaRPr lang="ko-KR" altLang="en-US"/>
           </a:p>
@@ -4600,7 +4600,7 @@
           <a:p>
             <a:fld id="{06AE0B28-11AF-450D-9AFB-A01EA93FBCDE}" type="datetimeFigureOut">
               <a:rPr lang="ko-KR" altLang="en-US" smtClean="0"/>
-              <a:t>2020-03-26</a:t>
+              <a:t>2020-03-27</a:t>
             </a:fld>
             <a:endParaRPr lang="ko-KR" altLang="en-US"/>
           </a:p>
@@ -6969,15 +6969,7 @@
             </a:r>
             <a:r>
               <a:rPr lang="ko-KR" altLang="en-US" dirty="0" smtClean="0"/>
-              <a:t>이 잘 실행 </a:t>
-            </a:r>
-            <a:r>
-              <a:rPr lang="ko-KR" altLang="en-US" dirty="0" smtClean="0"/>
-              <a:t>된 것을 </a:t>
-            </a:r>
-            <a:r>
-              <a:rPr lang="ko-KR" altLang="en-US" dirty="0" smtClean="0"/>
-              <a:t>확인할 수 있습니다</a:t>
+              <a:t>이 잘 실행 된 것을 확인할 수 있습니다</a:t>
             </a:r>
             <a:r>
               <a:rPr lang="en-US" altLang="ko-KR" dirty="0" smtClean="0"/>
@@ -8275,6 +8267,40 @@
           </a:p>
         </p:txBody>
       </p:sp>
+      <p:sp>
+        <p:nvSpPr>
+          <p:cNvPr id="14" name="TextBox 13"/>
+          <p:cNvSpPr txBox="1"/>
+          <p:nvPr/>
+        </p:nvSpPr>
+        <p:spPr>
+          <a:xfrm>
+            <a:off x="10832123" y="6303109"/>
+            <a:ext cx="715108" cy="169277"/>
+          </a:xfrm>
+          <a:prstGeom prst="rect">
+            <a:avLst/>
+          </a:prstGeom>
+          <a:noFill/>
+        </p:spPr>
+        <p:txBody>
+          <a:bodyPr wrap="square" rtlCol="0">
+            <a:spAutoFit/>
+          </a:bodyPr>
+          <a:lstStyle/>
+          <a:p>
+            <a:r>
+              <a:rPr lang="ko-KR" altLang="en-US" sz="500" dirty="0" smtClean="0"/>
+              <a:t>출처 </a:t>
+            </a:r>
+            <a:r>
+              <a:rPr lang="en-US" altLang="ko-KR" sz="500" dirty="0" smtClean="0"/>
+              <a:t>: github.com</a:t>
+            </a:r>
+            <a:endParaRPr lang="ko-KR" altLang="en-US" sz="500" dirty="0"/>
+          </a:p>
+        </p:txBody>
+      </p:sp>
     </p:spTree>
     <p:extLst>
       <p:ext uri="{BB962C8B-B14F-4D97-AF65-F5344CB8AC3E}">
@@ -8711,7 +8737,15 @@
             </a:pPr>
             <a:r>
               <a:rPr lang="ko-KR" altLang="en-US" dirty="0" smtClean="0"/>
-              <a:t>모든 개발이 끝난 후에 코드의 품질을 관리하는 단점을 해소하기 위해 나타난 개념이다</a:t>
+              <a:t>모든</a:t>
+            </a:r>
+            <a:r>
+              <a:rPr lang="en-US" altLang="ko-KR" dirty="0"/>
+              <a:t> </a:t>
+            </a:r>
+            <a:r>
+              <a:rPr lang="ko-KR" altLang="en-US" dirty="0" smtClean="0"/>
+              <a:t>프로젝트가 끝난 후에 코드의 품질을 관리하는 단점을 해소하기 위해 나타난 개념이다</a:t>
             </a:r>
             <a:r>
               <a:rPr lang="en-US" altLang="ko-KR" dirty="0" smtClean="0"/>
@@ -8732,7 +8766,7 @@
             </a:pPr>
             <a:r>
               <a:rPr lang="ko-KR" altLang="en-US" dirty="0" smtClean="0"/>
-              <a:t>여러 명의 개발자가 한 프로젝트를 진행 할 때 수시로 각자의 작업들을 체크하며 협업할 수 있다</a:t>
+              <a:t>여러 명의 개발자가 한 프로젝트를 진행 할 때 수시로 각자의 작업들을 확인하며 협업할 수 있다</a:t>
             </a:r>
             <a:r>
               <a:rPr lang="en-US" altLang="ko-KR" dirty="0" smtClean="0"/>
@@ -8764,7 +8798,7 @@
             </a:r>
             <a:r>
               <a:rPr lang="ko-KR" altLang="en-US" dirty="0" smtClean="0"/>
-              <a:t>는 지속적 배포</a:t>
+              <a:t>는 지속적인 배포</a:t>
             </a:r>
             <a:r>
               <a:rPr lang="en-US" altLang="ko-KR" dirty="0" smtClean="0"/>
@@ -8797,19 +8831,15 @@
             </a:r>
             <a:r>
               <a:rPr lang="ko-KR" altLang="en-US" dirty="0" smtClean="0"/>
-              <a:t>프로세스를 통해 개발 중에 지속적으로 빌드와 테스트를 하고 이를 거친 코드는 </a:t>
-            </a:r>
-            <a:r>
-              <a:rPr lang="en-US" altLang="ko-KR" dirty="0" smtClean="0"/>
-              <a:t>CD</a:t>
-            </a:r>
-            <a:r>
-              <a:rPr lang="ko-KR" altLang="en-US" dirty="0"/>
-              <a:t> </a:t>
-            </a:r>
-            <a:r>
-              <a:rPr lang="ko-KR" altLang="en-US" dirty="0" smtClean="0"/>
-              <a:t>프로세스로 배포에 반영한다</a:t>
+              <a:t>과정을 통해 개발 중에 지속적으로 코딩 빌드와 테스트를 하고 이를 거친 코드는 </a:t>
+            </a:r>
+            <a:r>
+              <a:rPr lang="en-US" altLang="ko-KR" dirty="0" smtClean="0"/>
+              <a:t>CD </a:t>
+            </a:r>
+            <a:r>
+              <a:rPr lang="ko-KR" altLang="en-US" dirty="0" smtClean="0"/>
+              <a:t>과정으로 배포에 반영한다</a:t>
             </a:r>
             <a:r>
               <a:rPr lang="en-US" altLang="ko-KR" dirty="0" smtClean="0"/>
@@ -8825,7 +8855,7 @@
     </p:spTree>
     <p:extLst>
       <p:ext uri="{BB962C8B-B14F-4D97-AF65-F5344CB8AC3E}">
-        <p14:creationId xmlns:p14="http://schemas.microsoft.com/office/powerpoint/2010/main" val="2280643276"/>
+        <p14:creationId xmlns:p14="http://schemas.microsoft.com/office/powerpoint/2010/main" val="2981629354"/>
       </p:ext>
     </p:extLst>
   </p:cSld>
